--- a/MATERIALS/MATERIAL-Vipul Sir/Lecture 15-16 Threads.pptx
+++ b/MATERIALS/MATERIAL-Vipul Sir/Lecture 15-16 Threads.pptx
@@ -2,25 +2,25 @@
 <file path=ppt/presentation.xml><?xml version="1.0" encoding="utf-8"?>
 <p:presentation xmlns:a="http://schemas.openxmlformats.org/drawingml/2006/main" xmlns:r="http://schemas.openxmlformats.org/officeDocument/2006/relationships" xmlns:p="http://schemas.openxmlformats.org/presentationml/2006/main" saveSubsetFonts="1" autoCompressPictures="0">
   <p:sldMasterIdLst>
-    <p:sldMasterId id="2147483648" r:id="rId1"/>
+    <p:sldMasterId id="2147483648" r:id="rId4"/>
   </p:sldMasterIdLst>
   <p:sldIdLst>
-    <p:sldId id="256" r:id="rId2"/>
-    <p:sldId id="259" r:id="rId3"/>
-    <p:sldId id="257" r:id="rId4"/>
-    <p:sldId id="258" r:id="rId5"/>
-    <p:sldId id="260" r:id="rId6"/>
-    <p:sldId id="269" r:id="rId7"/>
-    <p:sldId id="261" r:id="rId8"/>
-    <p:sldId id="262" r:id="rId9"/>
-    <p:sldId id="263" r:id="rId10"/>
-    <p:sldId id="268" r:id="rId11"/>
-    <p:sldId id="270" r:id="rId12"/>
-    <p:sldId id="271" r:id="rId13"/>
-    <p:sldId id="264" r:id="rId14"/>
-    <p:sldId id="265" r:id="rId15"/>
-    <p:sldId id="266" r:id="rId16"/>
-    <p:sldId id="267" r:id="rId17"/>
+    <p:sldId id="256" r:id="rId5"/>
+    <p:sldId id="259" r:id="rId6"/>
+    <p:sldId id="257" r:id="rId7"/>
+    <p:sldId id="258" r:id="rId8"/>
+    <p:sldId id="260" r:id="rId9"/>
+    <p:sldId id="269" r:id="rId10"/>
+    <p:sldId id="261" r:id="rId11"/>
+    <p:sldId id="262" r:id="rId12"/>
+    <p:sldId id="263" r:id="rId13"/>
+    <p:sldId id="268" r:id="rId14"/>
+    <p:sldId id="270" r:id="rId15"/>
+    <p:sldId id="271" r:id="rId16"/>
+    <p:sldId id="265" r:id="rId17"/>
+    <p:sldId id="264" r:id="rId18"/>
+    <p:sldId id="266" r:id="rId19"/>
+    <p:sldId id="267" r:id="rId20"/>
   </p:sldIdLst>
   <p:sldSz cx="12192000" cy="6858000"/>
   <p:notesSz cx="6858000" cy="9144000"/>
@@ -119,7 +119,56 @@
       </a:defRPr>
     </a:lvl9pPr>
   </p:defaultTextStyle>
+  <p:extLst>
+    <p:ext uri="{EFAFB233-063F-42B5-8137-9DF3F51BA10A}">
+      <p15:sldGuideLst xmlns:p15="http://schemas.microsoft.com/office/powerpoint/2012/main"/>
+    </p:ext>
+  </p:extLst>
 </p:presentation>
+</file>
+
+<file path=ppt/revisionInfo.xml><?xml version="1.0" encoding="utf-8"?>
+<p1510:revInfo xmlns:a="http://schemas.openxmlformats.org/drawingml/2006/main" xmlns:r="http://schemas.openxmlformats.org/officeDocument/2006/relationships" xmlns:p1510="http://schemas.microsoft.com/office/powerpoint/2015/10/main">
+  <p1510:revLst>
+    <p1510:client id="{F68117C2-E37A-4143-9AA0-28EBD62F3E0B}" v="8" dt="2023-11-06T04:33:56.310"/>
+  </p1510:revLst>
+</p1510:revInfo>
+</file>
+
+<file path=ppt/changesInfos/changesInfo1.xml><?xml version="1.0" encoding="utf-8"?>
+<pc:chgInfo xmlns:a="http://schemas.openxmlformats.org/drawingml/2006/main" xmlns:r="http://schemas.openxmlformats.org/officeDocument/2006/relationships" xmlns:ac="http://schemas.microsoft.com/office/drawing/2013/main/command" xmlns:pc="http://schemas.microsoft.com/office/powerpoint/2013/main/command">
+  <pc:docChgLst>
+    <pc:chgData name="JainilDoshi" userId="S::jainil.dce21@pdpu.ac.in::9fcc6890-7021-4b3f-8d66-efb5c00075f5" providerId="AD" clId="Web-{F68117C2-E37A-4143-9AA0-28EBD62F3E0B}"/>
+    <pc:docChg chg="modSld sldOrd">
+      <pc:chgData name="JainilDoshi" userId="S::jainil.dce21@pdpu.ac.in::9fcc6890-7021-4b3f-8d66-efb5c00075f5" providerId="AD" clId="Web-{F68117C2-E37A-4143-9AA0-28EBD62F3E0B}" dt="2023-11-06T04:33:56.310" v="4"/>
+      <pc:docMkLst>
+        <pc:docMk/>
+      </pc:docMkLst>
+      <pc:sldChg chg="modSp">
+        <pc:chgData name="JainilDoshi" userId="S::jainil.dce21@pdpu.ac.in::9fcc6890-7021-4b3f-8d66-efb5c00075f5" providerId="AD" clId="Web-{F68117C2-E37A-4143-9AA0-28EBD62F3E0B}" dt="2023-11-06T04:09:57.055" v="3" actId="20577"/>
+        <pc:sldMkLst>
+          <pc:docMk/>
+          <pc:sldMk cId="3458146954" sldId="260"/>
+        </pc:sldMkLst>
+        <pc:spChg chg="mod">
+          <ac:chgData name="JainilDoshi" userId="S::jainil.dce21@pdpu.ac.in::9fcc6890-7021-4b3f-8d66-efb5c00075f5" providerId="AD" clId="Web-{F68117C2-E37A-4143-9AA0-28EBD62F3E0B}" dt="2023-11-06T04:09:57.055" v="3" actId="20577"/>
+          <ac:spMkLst>
+            <pc:docMk/>
+            <pc:sldMk cId="3458146954" sldId="260"/>
+            <ac:spMk id="5" creationId="{C24F33B5-14C9-0DCE-CAB8-AB53D211A292}"/>
+          </ac:spMkLst>
+        </pc:spChg>
+      </pc:sldChg>
+      <pc:sldChg chg="ord">
+        <pc:chgData name="JainilDoshi" userId="S::jainil.dce21@pdpu.ac.in::9fcc6890-7021-4b3f-8d66-efb5c00075f5" providerId="AD" clId="Web-{F68117C2-E37A-4143-9AA0-28EBD62F3E0B}" dt="2023-11-06T04:33:56.310" v="4"/>
+        <pc:sldMkLst>
+          <pc:docMk/>
+          <pc:sldMk cId="4020069120" sldId="264"/>
+        </pc:sldMkLst>
+      </pc:sldChg>
+    </pc:docChg>
+  </pc:docChgLst>
+</pc:chgInfo>
 </file>
 
 <file path=ppt/slideLayouts/slideLayout1.xml><?xml version="1.0" encoding="utf-8"?>
@@ -271,7 +320,7 @@
           <a:p>
             <a:fld id="{083D7456-6D93-A84E-9425-4957983631E9}" type="datetimeFigureOut">
               <a:rPr lang="en-US" smtClean="0"/>
-              <a:t>9/4/23</a:t>
+              <a:t>11/5/2023</a:t>
             </a:fld>
             <a:endParaRPr lang="en-US"/>
           </a:p>
@@ -471,7 +520,7 @@
           <a:p>
             <a:fld id="{083D7456-6D93-A84E-9425-4957983631E9}" type="datetimeFigureOut">
               <a:rPr lang="en-US" smtClean="0"/>
-              <a:t>9/4/23</a:t>
+              <a:t>11/5/2023</a:t>
             </a:fld>
             <a:endParaRPr lang="en-US"/>
           </a:p>
@@ -681,7 +730,7 @@
           <a:p>
             <a:fld id="{083D7456-6D93-A84E-9425-4957983631E9}" type="datetimeFigureOut">
               <a:rPr lang="en-US" smtClean="0"/>
-              <a:t>9/4/23</a:t>
+              <a:t>11/5/2023</a:t>
             </a:fld>
             <a:endParaRPr lang="en-US"/>
           </a:p>
@@ -881,7 +930,7 @@
           <a:p>
             <a:fld id="{083D7456-6D93-A84E-9425-4957983631E9}" type="datetimeFigureOut">
               <a:rPr lang="en-US" smtClean="0"/>
-              <a:t>9/4/23</a:t>
+              <a:t>11/5/2023</a:t>
             </a:fld>
             <a:endParaRPr lang="en-US"/>
           </a:p>
@@ -1157,7 +1206,7 @@
           <a:p>
             <a:fld id="{083D7456-6D93-A84E-9425-4957983631E9}" type="datetimeFigureOut">
               <a:rPr lang="en-US" smtClean="0"/>
-              <a:t>9/4/23</a:t>
+              <a:t>11/5/2023</a:t>
             </a:fld>
             <a:endParaRPr lang="en-US"/>
           </a:p>
@@ -1425,7 +1474,7 @@
           <a:p>
             <a:fld id="{083D7456-6D93-A84E-9425-4957983631E9}" type="datetimeFigureOut">
               <a:rPr lang="en-US" smtClean="0"/>
-              <a:t>9/4/23</a:t>
+              <a:t>11/5/2023</a:t>
             </a:fld>
             <a:endParaRPr lang="en-US"/>
           </a:p>
@@ -1840,7 +1889,7 @@
           <a:p>
             <a:fld id="{083D7456-6D93-A84E-9425-4957983631E9}" type="datetimeFigureOut">
               <a:rPr lang="en-US" smtClean="0"/>
-              <a:t>9/4/23</a:t>
+              <a:t>11/5/2023</a:t>
             </a:fld>
             <a:endParaRPr lang="en-US"/>
           </a:p>
@@ -1982,7 +2031,7 @@
           <a:p>
             <a:fld id="{083D7456-6D93-A84E-9425-4957983631E9}" type="datetimeFigureOut">
               <a:rPr lang="en-US" smtClean="0"/>
-              <a:t>9/4/23</a:t>
+              <a:t>11/5/2023</a:t>
             </a:fld>
             <a:endParaRPr lang="en-US"/>
           </a:p>
@@ -2095,7 +2144,7 @@
           <a:p>
             <a:fld id="{083D7456-6D93-A84E-9425-4957983631E9}" type="datetimeFigureOut">
               <a:rPr lang="en-US" smtClean="0"/>
-              <a:t>9/4/23</a:t>
+              <a:t>11/5/2023</a:t>
             </a:fld>
             <a:endParaRPr lang="en-US"/>
           </a:p>
@@ -2408,7 +2457,7 @@
           <a:p>
             <a:fld id="{083D7456-6D93-A84E-9425-4957983631E9}" type="datetimeFigureOut">
               <a:rPr lang="en-US" smtClean="0"/>
-              <a:t>9/4/23</a:t>
+              <a:t>11/5/2023</a:t>
             </a:fld>
             <a:endParaRPr lang="en-US"/>
           </a:p>
@@ -2697,7 +2746,7 @@
           <a:p>
             <a:fld id="{083D7456-6D93-A84E-9425-4957983631E9}" type="datetimeFigureOut">
               <a:rPr lang="en-US" smtClean="0"/>
-              <a:t>9/4/23</a:t>
+              <a:t>11/5/2023</a:t>
             </a:fld>
             <a:endParaRPr lang="en-US"/>
           </a:p>
@@ -2940,7 +2989,7 @@
           <a:p>
             <a:fld id="{083D7456-6D93-A84E-9425-4957983631E9}" type="datetimeFigureOut">
               <a:rPr lang="en-US" smtClean="0"/>
-              <a:t>9/4/23</a:t>
+              <a:t>11/5/2023</a:t>
             </a:fld>
             <a:endParaRPr lang="en-US"/>
           </a:p>
@@ -3718,6 +3767,760 @@
           <p:cNvPr id="2" name="Title 1">
             <a:extLst>
               <a:ext uri="{FF2B5EF4-FFF2-40B4-BE49-F238E27FC236}">
+                <a16:creationId xmlns:a16="http://schemas.microsoft.com/office/drawing/2014/main" id="{355C75E5-410F-E3AA-E58F-7E323B54C0E0}"/>
+              </a:ext>
+            </a:extLst>
+          </p:cNvPr>
+          <p:cNvSpPr>
+            <a:spLocks noGrp="1"/>
+          </p:cNvSpPr>
+          <p:nvPr>
+            <p:ph type="title"/>
+          </p:nvPr>
+        </p:nvSpPr>
+        <p:spPr/>
+        <p:txBody>
+          <a:bodyPr/>
+          <a:lstStyle/>
+          <a:p>
+            <a:r>
+              <a:rPr lang="en-IN" b="1" i="0" u="none" strike="noStrike" dirty="0">
+                <a:solidFill>
+                  <a:srgbClr val="111111"/>
+                </a:solidFill>
+                <a:effectLst/>
+                <a:latin typeface="Source Sans Pro" panose="020B0503030403020204" pitchFamily="34" charset="0"/>
+              </a:rPr>
+              <a:t>Thread Daemon</a:t>
+            </a:r>
+            <a:endParaRPr lang="en-US" dirty="0"/>
+          </a:p>
+        </p:txBody>
+      </p:sp>
+      <p:sp>
+        <p:nvSpPr>
+          <p:cNvPr id="3" name="Content Placeholder 2">
+            <a:extLst>
+              <a:ext uri="{FF2B5EF4-FFF2-40B4-BE49-F238E27FC236}">
+                <a16:creationId xmlns:a16="http://schemas.microsoft.com/office/drawing/2014/main" id="{0F4106EE-3029-4756-B333-4634ED91B512}"/>
+              </a:ext>
+            </a:extLst>
+          </p:cNvPr>
+          <p:cNvSpPr>
+            <a:spLocks noGrp="1"/>
+          </p:cNvSpPr>
+          <p:nvPr>
+            <p:ph idx="1"/>
+          </p:nvPr>
+        </p:nvSpPr>
+        <p:spPr>
+          <a:xfrm>
+            <a:off x="636181" y="1464118"/>
+            <a:ext cx="10515600" cy="4351338"/>
+          </a:xfrm>
+        </p:spPr>
+        <p:txBody>
+          <a:bodyPr/>
+          <a:lstStyle/>
+          <a:p>
+            <a:r>
+              <a:rPr lang="en-IN" b="0" i="0" dirty="0">
+                <a:effectLst/>
+                <a:latin typeface="Open Sans" panose="020B0606030504020204" pitchFamily="34" charset="0"/>
+              </a:rPr>
+              <a:t>A </a:t>
+            </a:r>
+            <a:r>
+              <a:rPr lang="en-IN" b="0" i="0" u="sng" dirty="0">
+                <a:effectLst/>
+                <a:latin typeface="Open Sans" panose="020B0606030504020204" pitchFamily="34" charset="0"/>
+                <a:hlinkClick r:id="rId2">
+                  <a:extLst>
+                    <a:ext uri="{A12FA001-AC4F-418D-AE19-62706E023703}">
+                      <ahyp:hlinkClr xmlns:ahyp="http://schemas.microsoft.com/office/drawing/2018/hyperlinkcolor" val="tx"/>
+                    </a:ext>
+                  </a:extLst>
+                </a:hlinkClick>
+              </a:rPr>
+              <a:t>daemon thread</a:t>
+            </a:r>
+            <a:r>
+              <a:rPr lang="en-IN" b="0" i="0" dirty="0">
+                <a:effectLst/>
+                <a:latin typeface="Open Sans" panose="020B0606030504020204" pitchFamily="34" charset="0"/>
+              </a:rPr>
+              <a:t> is a background thread.</a:t>
+            </a:r>
+          </a:p>
+          <a:p>
+            <a:r>
+              <a:rPr lang="en-IN" b="0" i="0" dirty="0">
+                <a:effectLst/>
+                <a:latin typeface="Open Sans" panose="020B0606030504020204" pitchFamily="34" charset="0"/>
+              </a:rPr>
+              <a:t>The ideas is that backgrounds are like “</a:t>
+            </a:r>
+            <a:r>
+              <a:rPr lang="en-IN" b="0" i="1" dirty="0">
+                <a:effectLst/>
+                <a:latin typeface="Open Sans" panose="020B0606030504020204" pitchFamily="34" charset="0"/>
+              </a:rPr>
+              <a:t>daemons</a:t>
+            </a:r>
+            <a:r>
+              <a:rPr lang="en-IN" b="0" i="0" dirty="0">
+                <a:effectLst/>
+                <a:latin typeface="Open Sans" panose="020B0606030504020204" pitchFamily="34" charset="0"/>
+              </a:rPr>
+              <a:t>” or spirits (from the ancient Greek) that do tasks for you in the background.</a:t>
+            </a:r>
+            <a:endParaRPr lang="en-US" dirty="0"/>
+          </a:p>
+        </p:txBody>
+      </p:sp>
+      <p:sp>
+        <p:nvSpPr>
+          <p:cNvPr id="5" name="TextBox 4">
+            <a:extLst>
+              <a:ext uri="{FF2B5EF4-FFF2-40B4-BE49-F238E27FC236}">
+                <a16:creationId xmlns:a16="http://schemas.microsoft.com/office/drawing/2014/main" id="{BBCEF794-758F-8EF7-B301-556164B52C55}"/>
+              </a:ext>
+            </a:extLst>
+          </p:cNvPr>
+          <p:cNvSpPr txBox="1"/>
+          <p:nvPr/>
+        </p:nvSpPr>
+        <p:spPr>
+          <a:xfrm>
+            <a:off x="6096000" y="3429000"/>
+            <a:ext cx="5257800" cy="2585323"/>
+          </a:xfrm>
+          <a:prstGeom prst="rect">
+            <a:avLst/>
+          </a:prstGeom>
+          <a:noFill/>
+          <a:ln>
+            <a:solidFill>
+              <a:schemeClr val="tx1"/>
+            </a:solidFill>
+          </a:ln>
+        </p:spPr>
+        <p:txBody>
+          <a:bodyPr wrap="square">
+            <a:spAutoFit/>
+          </a:bodyPr>
+          <a:lstStyle/>
+          <a:p>
+            <a:pPr algn="l"/>
+            <a:r>
+              <a:rPr lang="en-IN" b="0" i="0" dirty="0">
+                <a:solidFill>
+                  <a:srgbClr val="B85C00"/>
+                </a:solidFill>
+                <a:effectLst/>
+                <a:latin typeface="inherit"/>
+              </a:rPr>
+              <a:t># example of setting a thread to be a daemon via the property</a:t>
+            </a:r>
+            <a:endParaRPr lang="en-IN" b="0" i="0" dirty="0">
+              <a:solidFill>
+                <a:srgbClr val="000000"/>
+              </a:solidFill>
+              <a:effectLst/>
+              <a:latin typeface="Monaco" pitchFamily="2" charset="77"/>
+            </a:endParaRPr>
+          </a:p>
+          <a:p>
+            <a:pPr algn="l"/>
+            <a:r>
+              <a:rPr lang="en-IN" b="0" i="0" dirty="0">
+                <a:solidFill>
+                  <a:srgbClr val="004ED0"/>
+                </a:solidFill>
+                <a:effectLst/>
+                <a:latin typeface="inherit"/>
+              </a:rPr>
+              <a:t>from threading import </a:t>
+            </a:r>
+            <a:r>
+              <a:rPr lang="en-IN" b="0" i="0" dirty="0">
+                <a:solidFill>
+                  <a:srgbClr val="000000"/>
+                </a:solidFill>
+                <a:effectLst/>
+                <a:latin typeface="inherit"/>
+              </a:rPr>
+              <a:t>Thread</a:t>
+            </a:r>
+            <a:endParaRPr lang="en-IN" b="0" i="0" dirty="0">
+              <a:solidFill>
+                <a:srgbClr val="000000"/>
+              </a:solidFill>
+              <a:effectLst/>
+              <a:latin typeface="Monaco" pitchFamily="2" charset="77"/>
+            </a:endParaRPr>
+          </a:p>
+          <a:p>
+            <a:pPr algn="l"/>
+            <a:r>
+              <a:rPr lang="en-IN" b="0" i="0" dirty="0">
+                <a:solidFill>
+                  <a:srgbClr val="B85C00"/>
+                </a:solidFill>
+                <a:effectLst/>
+                <a:latin typeface="inherit"/>
+              </a:rPr>
+              <a:t># create a thread</a:t>
+            </a:r>
+            <a:endParaRPr lang="en-IN" b="0" i="0" dirty="0">
+              <a:solidFill>
+                <a:srgbClr val="000000"/>
+              </a:solidFill>
+              <a:effectLst/>
+              <a:latin typeface="Monaco" pitchFamily="2" charset="77"/>
+            </a:endParaRPr>
+          </a:p>
+          <a:p>
+            <a:pPr algn="l"/>
+            <a:r>
+              <a:rPr lang="en-IN" b="0" i="0" dirty="0">
+                <a:solidFill>
+                  <a:srgbClr val="002D7A"/>
+                </a:solidFill>
+                <a:effectLst/>
+                <a:latin typeface="inherit"/>
+              </a:rPr>
+              <a:t>thread</a:t>
+            </a:r>
+            <a:r>
+              <a:rPr lang="en-IN" b="0" i="0" dirty="0">
+                <a:solidFill>
+                  <a:srgbClr val="006FE0"/>
+                </a:solidFill>
+                <a:effectLst/>
+                <a:latin typeface="inherit"/>
+              </a:rPr>
+              <a:t> = </a:t>
+            </a:r>
+            <a:r>
+              <a:rPr lang="en-IN" b="0" i="0" dirty="0">
+                <a:solidFill>
+                  <a:srgbClr val="004ED0"/>
+                </a:solidFill>
+                <a:effectLst/>
+                <a:latin typeface="inherit"/>
+              </a:rPr>
+              <a:t>Thread</a:t>
+            </a:r>
+            <a:r>
+              <a:rPr lang="en-IN" b="0" i="0" dirty="0">
+                <a:solidFill>
+                  <a:srgbClr val="333333"/>
+                </a:solidFill>
+                <a:effectLst/>
+                <a:latin typeface="inherit"/>
+              </a:rPr>
+              <a:t>()</a:t>
+            </a:r>
+            <a:endParaRPr lang="en-IN" b="0" i="0" dirty="0">
+              <a:solidFill>
+                <a:srgbClr val="000000"/>
+              </a:solidFill>
+              <a:effectLst/>
+              <a:latin typeface="Monaco" pitchFamily="2" charset="77"/>
+            </a:endParaRPr>
+          </a:p>
+          <a:p>
+            <a:pPr algn="l"/>
+            <a:r>
+              <a:rPr lang="en-IN" b="0" i="0" dirty="0">
+                <a:solidFill>
+                  <a:srgbClr val="B85C00"/>
+                </a:solidFill>
+                <a:effectLst/>
+                <a:latin typeface="inherit"/>
+              </a:rPr>
+              <a:t># configure the thread to be a daemon</a:t>
+            </a:r>
+            <a:endParaRPr lang="en-IN" b="0" i="0" dirty="0">
+              <a:solidFill>
+                <a:srgbClr val="000000"/>
+              </a:solidFill>
+              <a:effectLst/>
+              <a:latin typeface="Monaco" pitchFamily="2" charset="77"/>
+            </a:endParaRPr>
+          </a:p>
+          <a:p>
+            <a:pPr algn="l"/>
+            <a:r>
+              <a:rPr lang="en-IN" b="0" i="0" dirty="0" err="1">
+                <a:solidFill>
+                  <a:srgbClr val="002D7A"/>
+                </a:solidFill>
+                <a:effectLst/>
+                <a:latin typeface="inherit"/>
+              </a:rPr>
+              <a:t>thread</a:t>
+            </a:r>
+            <a:r>
+              <a:rPr lang="en-IN" b="0" i="0" dirty="0" err="1">
+                <a:solidFill>
+                  <a:srgbClr val="333333"/>
+                </a:solidFill>
+                <a:effectLst/>
+                <a:latin typeface="inherit"/>
+              </a:rPr>
+              <a:t>.</a:t>
+            </a:r>
+            <a:r>
+              <a:rPr lang="en-IN" b="0" i="0" dirty="0" err="1">
+                <a:solidFill>
+                  <a:srgbClr val="002D7A"/>
+                </a:solidFill>
+                <a:effectLst/>
+                <a:latin typeface="inherit"/>
+              </a:rPr>
+              <a:t>daemon</a:t>
+            </a:r>
+            <a:r>
+              <a:rPr lang="en-IN" b="0" i="0" dirty="0">
+                <a:solidFill>
+                  <a:srgbClr val="006FE0"/>
+                </a:solidFill>
+                <a:effectLst/>
+                <a:latin typeface="inherit"/>
+              </a:rPr>
+              <a:t> = </a:t>
+            </a:r>
+            <a:r>
+              <a:rPr lang="en-IN" b="0" i="0" dirty="0">
+                <a:solidFill>
+                  <a:srgbClr val="800080"/>
+                </a:solidFill>
+                <a:effectLst/>
+                <a:latin typeface="inherit"/>
+              </a:rPr>
+              <a:t>True</a:t>
+            </a:r>
+            <a:endParaRPr lang="en-IN" b="0" i="0" dirty="0">
+              <a:solidFill>
+                <a:srgbClr val="000000"/>
+              </a:solidFill>
+              <a:effectLst/>
+              <a:latin typeface="Monaco" pitchFamily="2" charset="77"/>
+            </a:endParaRPr>
+          </a:p>
+          <a:p>
+            <a:pPr algn="l"/>
+            <a:r>
+              <a:rPr lang="en-IN" b="0" i="0" dirty="0">
+                <a:solidFill>
+                  <a:srgbClr val="B85C00"/>
+                </a:solidFill>
+                <a:effectLst/>
+                <a:latin typeface="inherit"/>
+              </a:rPr>
+              <a:t># report if the thread is a daemon</a:t>
+            </a:r>
+            <a:endParaRPr lang="en-IN" b="0" i="0" dirty="0">
+              <a:solidFill>
+                <a:srgbClr val="000000"/>
+              </a:solidFill>
+              <a:effectLst/>
+              <a:latin typeface="Monaco" pitchFamily="2" charset="77"/>
+            </a:endParaRPr>
+          </a:p>
+          <a:p>
+            <a:pPr algn="l"/>
+            <a:r>
+              <a:rPr lang="en-IN" b="0" i="0" dirty="0">
+                <a:solidFill>
+                  <a:srgbClr val="004ED0"/>
+                </a:solidFill>
+                <a:effectLst/>
+                <a:latin typeface="inherit"/>
+              </a:rPr>
+              <a:t>print</a:t>
+            </a:r>
+            <a:r>
+              <a:rPr lang="en-IN" b="0" i="0" dirty="0">
+                <a:solidFill>
+                  <a:srgbClr val="333333"/>
+                </a:solidFill>
+                <a:effectLst/>
+                <a:latin typeface="inherit"/>
+              </a:rPr>
+              <a:t>(</a:t>
+            </a:r>
+            <a:r>
+              <a:rPr lang="en-IN" b="0" i="0" dirty="0" err="1">
+                <a:solidFill>
+                  <a:srgbClr val="002D7A"/>
+                </a:solidFill>
+                <a:effectLst/>
+                <a:latin typeface="inherit"/>
+              </a:rPr>
+              <a:t>thread</a:t>
+            </a:r>
+            <a:r>
+              <a:rPr lang="en-IN" b="0" i="0" dirty="0" err="1">
+                <a:solidFill>
+                  <a:srgbClr val="333333"/>
+                </a:solidFill>
+                <a:effectLst/>
+                <a:latin typeface="inherit"/>
+              </a:rPr>
+              <a:t>.</a:t>
+            </a:r>
+            <a:r>
+              <a:rPr lang="en-IN" b="0" i="0" dirty="0" err="1">
+                <a:solidFill>
+                  <a:srgbClr val="002D7A"/>
+                </a:solidFill>
+                <a:effectLst/>
+                <a:latin typeface="inherit"/>
+              </a:rPr>
+              <a:t>daemon</a:t>
+            </a:r>
+            <a:r>
+              <a:rPr lang="en-IN" b="0" i="0" dirty="0">
+                <a:solidFill>
+                  <a:srgbClr val="333333"/>
+                </a:solidFill>
+                <a:effectLst/>
+                <a:latin typeface="inherit"/>
+              </a:rPr>
+              <a:t>)</a:t>
+            </a:r>
+            <a:endParaRPr lang="en-IN" b="0" i="0" dirty="0">
+              <a:solidFill>
+                <a:srgbClr val="000000"/>
+              </a:solidFill>
+              <a:effectLst/>
+              <a:latin typeface="Monaco" pitchFamily="2" charset="77"/>
+            </a:endParaRPr>
+          </a:p>
+        </p:txBody>
+      </p:sp>
+      <p:sp>
+        <p:nvSpPr>
+          <p:cNvPr id="7" name="TextBox 6">
+            <a:extLst>
+              <a:ext uri="{FF2B5EF4-FFF2-40B4-BE49-F238E27FC236}">
+                <a16:creationId xmlns:a16="http://schemas.microsoft.com/office/drawing/2014/main" id="{CCFC9ABE-7EB4-2748-F36D-22AA1E720072}"/>
+              </a:ext>
+            </a:extLst>
+          </p:cNvPr>
+          <p:cNvSpPr txBox="1"/>
+          <p:nvPr/>
+        </p:nvSpPr>
+        <p:spPr>
+          <a:xfrm>
+            <a:off x="508591" y="3639787"/>
+            <a:ext cx="5055781" cy="2031325"/>
+          </a:xfrm>
+          <a:prstGeom prst="rect">
+            <a:avLst/>
+          </a:prstGeom>
+          <a:noFill/>
+          <a:ln>
+            <a:solidFill>
+              <a:schemeClr val="tx1"/>
+            </a:solidFill>
+          </a:ln>
+        </p:spPr>
+        <p:txBody>
+          <a:bodyPr wrap="square">
+            <a:spAutoFit/>
+          </a:bodyPr>
+          <a:lstStyle/>
+          <a:p>
+            <a:pPr algn="l"/>
+            <a:r>
+              <a:rPr lang="en-IN" b="0" i="0" dirty="0">
+                <a:solidFill>
+                  <a:srgbClr val="B85C00"/>
+                </a:solidFill>
+                <a:effectLst/>
+                <a:latin typeface="inherit"/>
+              </a:rPr>
+              <a:t># example of setting a thread to be a daemon via the constructor</a:t>
+            </a:r>
+            <a:endParaRPr lang="en-IN" b="0" i="0" dirty="0">
+              <a:solidFill>
+                <a:srgbClr val="000000"/>
+              </a:solidFill>
+              <a:effectLst/>
+              <a:latin typeface="Monaco" pitchFamily="2" charset="77"/>
+            </a:endParaRPr>
+          </a:p>
+          <a:p>
+            <a:pPr algn="l"/>
+            <a:r>
+              <a:rPr lang="en-IN" b="0" i="0" dirty="0">
+                <a:solidFill>
+                  <a:srgbClr val="004ED0"/>
+                </a:solidFill>
+                <a:effectLst/>
+                <a:latin typeface="inherit"/>
+              </a:rPr>
+              <a:t>from threading import </a:t>
+            </a:r>
+            <a:r>
+              <a:rPr lang="en-IN" b="0" i="0" dirty="0">
+                <a:solidFill>
+                  <a:srgbClr val="000000"/>
+                </a:solidFill>
+                <a:effectLst/>
+                <a:latin typeface="inherit"/>
+              </a:rPr>
+              <a:t>Thread</a:t>
+            </a:r>
+            <a:endParaRPr lang="en-IN" b="0" i="0" dirty="0">
+              <a:solidFill>
+                <a:srgbClr val="000000"/>
+              </a:solidFill>
+              <a:effectLst/>
+              <a:latin typeface="Monaco" pitchFamily="2" charset="77"/>
+            </a:endParaRPr>
+          </a:p>
+          <a:p>
+            <a:pPr algn="l"/>
+            <a:r>
+              <a:rPr lang="en-IN" b="0" i="0" dirty="0">
+                <a:solidFill>
+                  <a:srgbClr val="B85C00"/>
+                </a:solidFill>
+                <a:effectLst/>
+                <a:latin typeface="inherit"/>
+              </a:rPr>
+              <a:t># create a daemon thread</a:t>
+            </a:r>
+            <a:endParaRPr lang="en-IN" b="0" i="0" dirty="0">
+              <a:solidFill>
+                <a:srgbClr val="000000"/>
+              </a:solidFill>
+              <a:effectLst/>
+              <a:latin typeface="Monaco" pitchFamily="2" charset="77"/>
+            </a:endParaRPr>
+          </a:p>
+          <a:p>
+            <a:pPr algn="l"/>
+            <a:r>
+              <a:rPr lang="en-IN" b="0" i="0" dirty="0">
+                <a:solidFill>
+                  <a:srgbClr val="002D7A"/>
+                </a:solidFill>
+                <a:effectLst/>
+                <a:latin typeface="inherit"/>
+              </a:rPr>
+              <a:t>thread</a:t>
+            </a:r>
+            <a:r>
+              <a:rPr lang="en-IN" b="0" i="0" dirty="0">
+                <a:solidFill>
+                  <a:srgbClr val="006FE0"/>
+                </a:solidFill>
+                <a:effectLst/>
+                <a:latin typeface="inherit"/>
+              </a:rPr>
+              <a:t> = </a:t>
+            </a:r>
+            <a:r>
+              <a:rPr lang="en-IN" b="0" i="0" dirty="0">
+                <a:solidFill>
+                  <a:srgbClr val="004ED0"/>
+                </a:solidFill>
+                <a:effectLst/>
+                <a:latin typeface="inherit"/>
+              </a:rPr>
+              <a:t>Thread</a:t>
+            </a:r>
+            <a:r>
+              <a:rPr lang="en-IN" b="0" i="0" dirty="0">
+                <a:solidFill>
+                  <a:srgbClr val="333333"/>
+                </a:solidFill>
+                <a:effectLst/>
+                <a:latin typeface="inherit"/>
+              </a:rPr>
+              <a:t>(</a:t>
+            </a:r>
+            <a:r>
+              <a:rPr lang="en-IN" b="0" i="0" dirty="0">
+                <a:solidFill>
+                  <a:srgbClr val="002D7A"/>
+                </a:solidFill>
+                <a:effectLst/>
+                <a:latin typeface="inherit"/>
+              </a:rPr>
+              <a:t>daemon</a:t>
+            </a:r>
+            <a:r>
+              <a:rPr lang="en-IN" b="0" i="0" dirty="0">
+                <a:solidFill>
+                  <a:srgbClr val="006FE0"/>
+                </a:solidFill>
+                <a:effectLst/>
+                <a:latin typeface="inherit"/>
+              </a:rPr>
+              <a:t>=</a:t>
+            </a:r>
+            <a:r>
+              <a:rPr lang="en-IN" b="0" i="0" dirty="0">
+                <a:solidFill>
+                  <a:srgbClr val="800080"/>
+                </a:solidFill>
+                <a:effectLst/>
+                <a:latin typeface="inherit"/>
+              </a:rPr>
+              <a:t>True</a:t>
+            </a:r>
+            <a:r>
+              <a:rPr lang="en-IN" b="0" i="0" dirty="0">
+                <a:solidFill>
+                  <a:srgbClr val="333333"/>
+                </a:solidFill>
+                <a:effectLst/>
+                <a:latin typeface="inherit"/>
+              </a:rPr>
+              <a:t>)</a:t>
+            </a:r>
+            <a:endParaRPr lang="en-IN" b="0" i="0" dirty="0">
+              <a:solidFill>
+                <a:srgbClr val="000000"/>
+              </a:solidFill>
+              <a:effectLst/>
+              <a:latin typeface="Monaco" pitchFamily="2" charset="77"/>
+            </a:endParaRPr>
+          </a:p>
+          <a:p>
+            <a:pPr algn="l"/>
+            <a:r>
+              <a:rPr lang="en-IN" b="0" i="0" dirty="0">
+                <a:solidFill>
+                  <a:srgbClr val="B85C00"/>
+                </a:solidFill>
+                <a:effectLst/>
+                <a:latin typeface="inherit"/>
+              </a:rPr>
+              <a:t># report if the thread is a daemon</a:t>
+            </a:r>
+            <a:endParaRPr lang="en-IN" b="0" i="0" dirty="0">
+              <a:solidFill>
+                <a:srgbClr val="000000"/>
+              </a:solidFill>
+              <a:effectLst/>
+              <a:latin typeface="Monaco" pitchFamily="2" charset="77"/>
+            </a:endParaRPr>
+          </a:p>
+          <a:p>
+            <a:pPr algn="l"/>
+            <a:r>
+              <a:rPr lang="en-IN" b="0" i="0" dirty="0">
+                <a:solidFill>
+                  <a:srgbClr val="004ED0"/>
+                </a:solidFill>
+                <a:effectLst/>
+                <a:latin typeface="inherit"/>
+              </a:rPr>
+              <a:t>print</a:t>
+            </a:r>
+            <a:r>
+              <a:rPr lang="en-IN" b="0" i="0" dirty="0">
+                <a:solidFill>
+                  <a:srgbClr val="333333"/>
+                </a:solidFill>
+                <a:effectLst/>
+                <a:latin typeface="inherit"/>
+              </a:rPr>
+              <a:t>(</a:t>
+            </a:r>
+            <a:r>
+              <a:rPr lang="en-IN" b="0" i="0" dirty="0" err="1">
+                <a:solidFill>
+                  <a:srgbClr val="002D7A"/>
+                </a:solidFill>
+                <a:effectLst/>
+                <a:latin typeface="inherit"/>
+              </a:rPr>
+              <a:t>thread</a:t>
+            </a:r>
+            <a:r>
+              <a:rPr lang="en-IN" b="0" i="0" dirty="0" err="1">
+                <a:solidFill>
+                  <a:srgbClr val="333333"/>
+                </a:solidFill>
+                <a:effectLst/>
+                <a:latin typeface="inherit"/>
+              </a:rPr>
+              <a:t>.</a:t>
+            </a:r>
+            <a:r>
+              <a:rPr lang="en-IN" b="0" i="0" dirty="0" err="1">
+                <a:solidFill>
+                  <a:srgbClr val="002D7A"/>
+                </a:solidFill>
+                <a:effectLst/>
+                <a:latin typeface="inherit"/>
+              </a:rPr>
+              <a:t>daemon</a:t>
+            </a:r>
+            <a:r>
+              <a:rPr lang="en-IN" b="0" i="0" dirty="0">
+                <a:solidFill>
+                  <a:srgbClr val="333333"/>
+                </a:solidFill>
+                <a:effectLst/>
+                <a:latin typeface="inherit"/>
+              </a:rPr>
+              <a:t>)</a:t>
+            </a:r>
+            <a:endParaRPr lang="en-IN" b="0" i="0" dirty="0">
+              <a:solidFill>
+                <a:srgbClr val="000000"/>
+              </a:solidFill>
+              <a:effectLst/>
+              <a:latin typeface="Monaco" pitchFamily="2" charset="77"/>
+            </a:endParaRPr>
+          </a:p>
+        </p:txBody>
+      </p:sp>
+    </p:spTree>
+    <p:extLst>
+      <p:ext uri="{BB962C8B-B14F-4D97-AF65-F5344CB8AC3E}">
+        <p14:creationId xmlns:p14="http://schemas.microsoft.com/office/powerpoint/2010/main" val="557331536"/>
+      </p:ext>
+    </p:extLst>
+  </p:cSld>
+  <p:clrMapOvr>
+    <a:masterClrMapping/>
+  </p:clrMapOvr>
+</p:sld>
+</file>
+
+<file path=ppt/slides/slide14.xml><?xml version="1.0" encoding="utf-8"?>
+<p:sld xmlns:a="http://schemas.openxmlformats.org/drawingml/2006/main" xmlns:r="http://schemas.openxmlformats.org/officeDocument/2006/relationships" xmlns:p="http://schemas.openxmlformats.org/presentationml/2006/main">
+  <p:cSld>
+    <p:spTree>
+      <p:nvGrpSpPr>
+        <p:cNvPr id="1" name=""/>
+        <p:cNvGrpSpPr/>
+        <p:nvPr/>
+      </p:nvGrpSpPr>
+      <p:grpSpPr>
+        <a:xfrm>
+          <a:off x="0" y="0"/>
+          <a:ext cx="0" cy="0"/>
+          <a:chOff x="0" y="0"/>
+          <a:chExt cx="0" cy="0"/>
+        </a:xfrm>
+      </p:grpSpPr>
+      <p:sp>
+        <p:nvSpPr>
+          <p:cNvPr id="2" name="Title 1">
+            <a:extLst>
+              <a:ext uri="{FF2B5EF4-FFF2-40B4-BE49-F238E27FC236}">
                 <a16:creationId xmlns:a16="http://schemas.microsoft.com/office/drawing/2014/main" id="{709A5EBD-AA6B-C14A-125A-D8A163CAEA53}"/>
               </a:ext>
             </a:extLst>
@@ -4637,760 +5440,6 @@
     <p:extLst>
       <p:ext uri="{BB962C8B-B14F-4D97-AF65-F5344CB8AC3E}">
         <p14:creationId xmlns:p14="http://schemas.microsoft.com/office/powerpoint/2010/main" val="4020069120"/>
-      </p:ext>
-    </p:extLst>
-  </p:cSld>
-  <p:clrMapOvr>
-    <a:masterClrMapping/>
-  </p:clrMapOvr>
-</p:sld>
-</file>
-
-<file path=ppt/slides/slide14.xml><?xml version="1.0" encoding="utf-8"?>
-<p:sld xmlns:a="http://schemas.openxmlformats.org/drawingml/2006/main" xmlns:r="http://schemas.openxmlformats.org/officeDocument/2006/relationships" xmlns:p="http://schemas.openxmlformats.org/presentationml/2006/main">
-  <p:cSld>
-    <p:spTree>
-      <p:nvGrpSpPr>
-        <p:cNvPr id="1" name=""/>
-        <p:cNvGrpSpPr/>
-        <p:nvPr/>
-      </p:nvGrpSpPr>
-      <p:grpSpPr>
-        <a:xfrm>
-          <a:off x="0" y="0"/>
-          <a:ext cx="0" cy="0"/>
-          <a:chOff x="0" y="0"/>
-          <a:chExt cx="0" cy="0"/>
-        </a:xfrm>
-      </p:grpSpPr>
-      <p:sp>
-        <p:nvSpPr>
-          <p:cNvPr id="2" name="Title 1">
-            <a:extLst>
-              <a:ext uri="{FF2B5EF4-FFF2-40B4-BE49-F238E27FC236}">
-                <a16:creationId xmlns:a16="http://schemas.microsoft.com/office/drawing/2014/main" id="{355C75E5-410F-E3AA-E58F-7E323B54C0E0}"/>
-              </a:ext>
-            </a:extLst>
-          </p:cNvPr>
-          <p:cNvSpPr>
-            <a:spLocks noGrp="1"/>
-          </p:cNvSpPr>
-          <p:nvPr>
-            <p:ph type="title"/>
-          </p:nvPr>
-        </p:nvSpPr>
-        <p:spPr/>
-        <p:txBody>
-          <a:bodyPr/>
-          <a:lstStyle/>
-          <a:p>
-            <a:r>
-              <a:rPr lang="en-IN" b="1" i="0" u="none" strike="noStrike" dirty="0">
-                <a:solidFill>
-                  <a:srgbClr val="111111"/>
-                </a:solidFill>
-                <a:effectLst/>
-                <a:latin typeface="Source Sans Pro" panose="020B0503030403020204" pitchFamily="34" charset="0"/>
-              </a:rPr>
-              <a:t>Thread Daemon</a:t>
-            </a:r>
-            <a:endParaRPr lang="en-US" dirty="0"/>
-          </a:p>
-        </p:txBody>
-      </p:sp>
-      <p:sp>
-        <p:nvSpPr>
-          <p:cNvPr id="3" name="Content Placeholder 2">
-            <a:extLst>
-              <a:ext uri="{FF2B5EF4-FFF2-40B4-BE49-F238E27FC236}">
-                <a16:creationId xmlns:a16="http://schemas.microsoft.com/office/drawing/2014/main" id="{0F4106EE-3029-4756-B333-4634ED91B512}"/>
-              </a:ext>
-            </a:extLst>
-          </p:cNvPr>
-          <p:cNvSpPr>
-            <a:spLocks noGrp="1"/>
-          </p:cNvSpPr>
-          <p:nvPr>
-            <p:ph idx="1"/>
-          </p:nvPr>
-        </p:nvSpPr>
-        <p:spPr>
-          <a:xfrm>
-            <a:off x="636181" y="1464118"/>
-            <a:ext cx="10515600" cy="4351338"/>
-          </a:xfrm>
-        </p:spPr>
-        <p:txBody>
-          <a:bodyPr/>
-          <a:lstStyle/>
-          <a:p>
-            <a:r>
-              <a:rPr lang="en-IN" b="0" i="0" dirty="0">
-                <a:effectLst/>
-                <a:latin typeface="Open Sans" panose="020B0606030504020204" pitchFamily="34" charset="0"/>
-              </a:rPr>
-              <a:t>A </a:t>
-            </a:r>
-            <a:r>
-              <a:rPr lang="en-IN" b="0" i="0" u="sng" dirty="0">
-                <a:effectLst/>
-                <a:latin typeface="Open Sans" panose="020B0606030504020204" pitchFamily="34" charset="0"/>
-                <a:hlinkClick r:id="rId2">
-                  <a:extLst>
-                    <a:ext uri="{A12FA001-AC4F-418D-AE19-62706E023703}">
-                      <ahyp:hlinkClr xmlns:ahyp="http://schemas.microsoft.com/office/drawing/2018/hyperlinkcolor" val="tx"/>
-                    </a:ext>
-                  </a:extLst>
-                </a:hlinkClick>
-              </a:rPr>
-              <a:t>daemon thread</a:t>
-            </a:r>
-            <a:r>
-              <a:rPr lang="en-IN" b="0" i="0" dirty="0">
-                <a:effectLst/>
-                <a:latin typeface="Open Sans" panose="020B0606030504020204" pitchFamily="34" charset="0"/>
-              </a:rPr>
-              <a:t> is a background thread.</a:t>
-            </a:r>
-          </a:p>
-          <a:p>
-            <a:r>
-              <a:rPr lang="en-IN" b="0" i="0" dirty="0">
-                <a:effectLst/>
-                <a:latin typeface="Open Sans" panose="020B0606030504020204" pitchFamily="34" charset="0"/>
-              </a:rPr>
-              <a:t>The ideas is that backgrounds are like “</a:t>
-            </a:r>
-            <a:r>
-              <a:rPr lang="en-IN" b="0" i="1" dirty="0">
-                <a:effectLst/>
-                <a:latin typeface="Open Sans" panose="020B0606030504020204" pitchFamily="34" charset="0"/>
-              </a:rPr>
-              <a:t>daemons</a:t>
-            </a:r>
-            <a:r>
-              <a:rPr lang="en-IN" b="0" i="0" dirty="0">
-                <a:effectLst/>
-                <a:latin typeface="Open Sans" panose="020B0606030504020204" pitchFamily="34" charset="0"/>
-              </a:rPr>
-              <a:t>” or spirits (from the ancient Greek) that do tasks for you in the background.</a:t>
-            </a:r>
-            <a:endParaRPr lang="en-US" dirty="0"/>
-          </a:p>
-        </p:txBody>
-      </p:sp>
-      <p:sp>
-        <p:nvSpPr>
-          <p:cNvPr id="5" name="TextBox 4">
-            <a:extLst>
-              <a:ext uri="{FF2B5EF4-FFF2-40B4-BE49-F238E27FC236}">
-                <a16:creationId xmlns:a16="http://schemas.microsoft.com/office/drawing/2014/main" id="{BBCEF794-758F-8EF7-B301-556164B52C55}"/>
-              </a:ext>
-            </a:extLst>
-          </p:cNvPr>
-          <p:cNvSpPr txBox="1"/>
-          <p:nvPr/>
-        </p:nvSpPr>
-        <p:spPr>
-          <a:xfrm>
-            <a:off x="6096000" y="3429000"/>
-            <a:ext cx="5257800" cy="2585323"/>
-          </a:xfrm>
-          <a:prstGeom prst="rect">
-            <a:avLst/>
-          </a:prstGeom>
-          <a:noFill/>
-          <a:ln>
-            <a:solidFill>
-              <a:schemeClr val="tx1"/>
-            </a:solidFill>
-          </a:ln>
-        </p:spPr>
-        <p:txBody>
-          <a:bodyPr wrap="square">
-            <a:spAutoFit/>
-          </a:bodyPr>
-          <a:lstStyle/>
-          <a:p>
-            <a:pPr algn="l"/>
-            <a:r>
-              <a:rPr lang="en-IN" b="0" i="0" dirty="0">
-                <a:solidFill>
-                  <a:srgbClr val="B85C00"/>
-                </a:solidFill>
-                <a:effectLst/>
-                <a:latin typeface="inherit"/>
-              </a:rPr>
-              <a:t># example of setting a thread to be a daemon via the property</a:t>
-            </a:r>
-            <a:endParaRPr lang="en-IN" b="0" i="0" dirty="0">
-              <a:solidFill>
-                <a:srgbClr val="000000"/>
-              </a:solidFill>
-              <a:effectLst/>
-              <a:latin typeface="Monaco" pitchFamily="2" charset="77"/>
-            </a:endParaRPr>
-          </a:p>
-          <a:p>
-            <a:pPr algn="l"/>
-            <a:r>
-              <a:rPr lang="en-IN" b="0" i="0" dirty="0">
-                <a:solidFill>
-                  <a:srgbClr val="004ED0"/>
-                </a:solidFill>
-                <a:effectLst/>
-                <a:latin typeface="inherit"/>
-              </a:rPr>
-              <a:t>from threading import </a:t>
-            </a:r>
-            <a:r>
-              <a:rPr lang="en-IN" b="0" i="0" dirty="0">
-                <a:solidFill>
-                  <a:srgbClr val="000000"/>
-                </a:solidFill>
-                <a:effectLst/>
-                <a:latin typeface="inherit"/>
-              </a:rPr>
-              <a:t>Thread</a:t>
-            </a:r>
-            <a:endParaRPr lang="en-IN" b="0" i="0" dirty="0">
-              <a:solidFill>
-                <a:srgbClr val="000000"/>
-              </a:solidFill>
-              <a:effectLst/>
-              <a:latin typeface="Monaco" pitchFamily="2" charset="77"/>
-            </a:endParaRPr>
-          </a:p>
-          <a:p>
-            <a:pPr algn="l"/>
-            <a:r>
-              <a:rPr lang="en-IN" b="0" i="0" dirty="0">
-                <a:solidFill>
-                  <a:srgbClr val="B85C00"/>
-                </a:solidFill>
-                <a:effectLst/>
-                <a:latin typeface="inherit"/>
-              </a:rPr>
-              <a:t># create a thread</a:t>
-            </a:r>
-            <a:endParaRPr lang="en-IN" b="0" i="0" dirty="0">
-              <a:solidFill>
-                <a:srgbClr val="000000"/>
-              </a:solidFill>
-              <a:effectLst/>
-              <a:latin typeface="Monaco" pitchFamily="2" charset="77"/>
-            </a:endParaRPr>
-          </a:p>
-          <a:p>
-            <a:pPr algn="l"/>
-            <a:r>
-              <a:rPr lang="en-IN" b="0" i="0" dirty="0">
-                <a:solidFill>
-                  <a:srgbClr val="002D7A"/>
-                </a:solidFill>
-                <a:effectLst/>
-                <a:latin typeface="inherit"/>
-              </a:rPr>
-              <a:t>thread</a:t>
-            </a:r>
-            <a:r>
-              <a:rPr lang="en-IN" b="0" i="0" dirty="0">
-                <a:solidFill>
-                  <a:srgbClr val="006FE0"/>
-                </a:solidFill>
-                <a:effectLst/>
-                <a:latin typeface="inherit"/>
-              </a:rPr>
-              <a:t> = </a:t>
-            </a:r>
-            <a:r>
-              <a:rPr lang="en-IN" b="0" i="0" dirty="0">
-                <a:solidFill>
-                  <a:srgbClr val="004ED0"/>
-                </a:solidFill>
-                <a:effectLst/>
-                <a:latin typeface="inherit"/>
-              </a:rPr>
-              <a:t>Thread</a:t>
-            </a:r>
-            <a:r>
-              <a:rPr lang="en-IN" b="0" i="0" dirty="0">
-                <a:solidFill>
-                  <a:srgbClr val="333333"/>
-                </a:solidFill>
-                <a:effectLst/>
-                <a:latin typeface="inherit"/>
-              </a:rPr>
-              <a:t>()</a:t>
-            </a:r>
-            <a:endParaRPr lang="en-IN" b="0" i="0" dirty="0">
-              <a:solidFill>
-                <a:srgbClr val="000000"/>
-              </a:solidFill>
-              <a:effectLst/>
-              <a:latin typeface="Monaco" pitchFamily="2" charset="77"/>
-            </a:endParaRPr>
-          </a:p>
-          <a:p>
-            <a:pPr algn="l"/>
-            <a:r>
-              <a:rPr lang="en-IN" b="0" i="0" dirty="0">
-                <a:solidFill>
-                  <a:srgbClr val="B85C00"/>
-                </a:solidFill>
-                <a:effectLst/>
-                <a:latin typeface="inherit"/>
-              </a:rPr>
-              <a:t># configure the thread to be a daemon</a:t>
-            </a:r>
-            <a:endParaRPr lang="en-IN" b="0" i="0" dirty="0">
-              <a:solidFill>
-                <a:srgbClr val="000000"/>
-              </a:solidFill>
-              <a:effectLst/>
-              <a:latin typeface="Monaco" pitchFamily="2" charset="77"/>
-            </a:endParaRPr>
-          </a:p>
-          <a:p>
-            <a:pPr algn="l"/>
-            <a:r>
-              <a:rPr lang="en-IN" b="0" i="0" dirty="0" err="1">
-                <a:solidFill>
-                  <a:srgbClr val="002D7A"/>
-                </a:solidFill>
-                <a:effectLst/>
-                <a:latin typeface="inherit"/>
-              </a:rPr>
-              <a:t>thread</a:t>
-            </a:r>
-            <a:r>
-              <a:rPr lang="en-IN" b="0" i="0" dirty="0" err="1">
-                <a:solidFill>
-                  <a:srgbClr val="333333"/>
-                </a:solidFill>
-                <a:effectLst/>
-                <a:latin typeface="inherit"/>
-              </a:rPr>
-              <a:t>.</a:t>
-            </a:r>
-            <a:r>
-              <a:rPr lang="en-IN" b="0" i="0" dirty="0" err="1">
-                <a:solidFill>
-                  <a:srgbClr val="002D7A"/>
-                </a:solidFill>
-                <a:effectLst/>
-                <a:latin typeface="inherit"/>
-              </a:rPr>
-              <a:t>daemon</a:t>
-            </a:r>
-            <a:r>
-              <a:rPr lang="en-IN" b="0" i="0" dirty="0">
-                <a:solidFill>
-                  <a:srgbClr val="006FE0"/>
-                </a:solidFill>
-                <a:effectLst/>
-                <a:latin typeface="inherit"/>
-              </a:rPr>
-              <a:t> = </a:t>
-            </a:r>
-            <a:r>
-              <a:rPr lang="en-IN" b="0" i="0" dirty="0">
-                <a:solidFill>
-                  <a:srgbClr val="800080"/>
-                </a:solidFill>
-                <a:effectLst/>
-                <a:latin typeface="inherit"/>
-              </a:rPr>
-              <a:t>True</a:t>
-            </a:r>
-            <a:endParaRPr lang="en-IN" b="0" i="0" dirty="0">
-              <a:solidFill>
-                <a:srgbClr val="000000"/>
-              </a:solidFill>
-              <a:effectLst/>
-              <a:latin typeface="Monaco" pitchFamily="2" charset="77"/>
-            </a:endParaRPr>
-          </a:p>
-          <a:p>
-            <a:pPr algn="l"/>
-            <a:r>
-              <a:rPr lang="en-IN" b="0" i="0" dirty="0">
-                <a:solidFill>
-                  <a:srgbClr val="B85C00"/>
-                </a:solidFill>
-                <a:effectLst/>
-                <a:latin typeface="inherit"/>
-              </a:rPr>
-              <a:t># report if the thread is a daemon</a:t>
-            </a:r>
-            <a:endParaRPr lang="en-IN" b="0" i="0" dirty="0">
-              <a:solidFill>
-                <a:srgbClr val="000000"/>
-              </a:solidFill>
-              <a:effectLst/>
-              <a:latin typeface="Monaco" pitchFamily="2" charset="77"/>
-            </a:endParaRPr>
-          </a:p>
-          <a:p>
-            <a:pPr algn="l"/>
-            <a:r>
-              <a:rPr lang="en-IN" b="0" i="0" dirty="0">
-                <a:solidFill>
-                  <a:srgbClr val="004ED0"/>
-                </a:solidFill>
-                <a:effectLst/>
-                <a:latin typeface="inherit"/>
-              </a:rPr>
-              <a:t>print</a:t>
-            </a:r>
-            <a:r>
-              <a:rPr lang="en-IN" b="0" i="0" dirty="0">
-                <a:solidFill>
-                  <a:srgbClr val="333333"/>
-                </a:solidFill>
-                <a:effectLst/>
-                <a:latin typeface="inherit"/>
-              </a:rPr>
-              <a:t>(</a:t>
-            </a:r>
-            <a:r>
-              <a:rPr lang="en-IN" b="0" i="0" dirty="0" err="1">
-                <a:solidFill>
-                  <a:srgbClr val="002D7A"/>
-                </a:solidFill>
-                <a:effectLst/>
-                <a:latin typeface="inherit"/>
-              </a:rPr>
-              <a:t>thread</a:t>
-            </a:r>
-            <a:r>
-              <a:rPr lang="en-IN" b="0" i="0" dirty="0" err="1">
-                <a:solidFill>
-                  <a:srgbClr val="333333"/>
-                </a:solidFill>
-                <a:effectLst/>
-                <a:latin typeface="inherit"/>
-              </a:rPr>
-              <a:t>.</a:t>
-            </a:r>
-            <a:r>
-              <a:rPr lang="en-IN" b="0" i="0" dirty="0" err="1">
-                <a:solidFill>
-                  <a:srgbClr val="002D7A"/>
-                </a:solidFill>
-                <a:effectLst/>
-                <a:latin typeface="inherit"/>
-              </a:rPr>
-              <a:t>daemon</a:t>
-            </a:r>
-            <a:r>
-              <a:rPr lang="en-IN" b="0" i="0" dirty="0">
-                <a:solidFill>
-                  <a:srgbClr val="333333"/>
-                </a:solidFill>
-                <a:effectLst/>
-                <a:latin typeface="inherit"/>
-              </a:rPr>
-              <a:t>)</a:t>
-            </a:r>
-            <a:endParaRPr lang="en-IN" b="0" i="0" dirty="0">
-              <a:solidFill>
-                <a:srgbClr val="000000"/>
-              </a:solidFill>
-              <a:effectLst/>
-              <a:latin typeface="Monaco" pitchFamily="2" charset="77"/>
-            </a:endParaRPr>
-          </a:p>
-        </p:txBody>
-      </p:sp>
-      <p:sp>
-        <p:nvSpPr>
-          <p:cNvPr id="7" name="TextBox 6">
-            <a:extLst>
-              <a:ext uri="{FF2B5EF4-FFF2-40B4-BE49-F238E27FC236}">
-                <a16:creationId xmlns:a16="http://schemas.microsoft.com/office/drawing/2014/main" id="{CCFC9ABE-7EB4-2748-F36D-22AA1E720072}"/>
-              </a:ext>
-            </a:extLst>
-          </p:cNvPr>
-          <p:cNvSpPr txBox="1"/>
-          <p:nvPr/>
-        </p:nvSpPr>
-        <p:spPr>
-          <a:xfrm>
-            <a:off x="508591" y="3639787"/>
-            <a:ext cx="5055781" cy="2031325"/>
-          </a:xfrm>
-          <a:prstGeom prst="rect">
-            <a:avLst/>
-          </a:prstGeom>
-          <a:noFill/>
-          <a:ln>
-            <a:solidFill>
-              <a:schemeClr val="tx1"/>
-            </a:solidFill>
-          </a:ln>
-        </p:spPr>
-        <p:txBody>
-          <a:bodyPr wrap="square">
-            <a:spAutoFit/>
-          </a:bodyPr>
-          <a:lstStyle/>
-          <a:p>
-            <a:pPr algn="l"/>
-            <a:r>
-              <a:rPr lang="en-IN" b="0" i="0" dirty="0">
-                <a:solidFill>
-                  <a:srgbClr val="B85C00"/>
-                </a:solidFill>
-                <a:effectLst/>
-                <a:latin typeface="inherit"/>
-              </a:rPr>
-              <a:t># example of setting a thread to be a daemon via the constructor</a:t>
-            </a:r>
-            <a:endParaRPr lang="en-IN" b="0" i="0" dirty="0">
-              <a:solidFill>
-                <a:srgbClr val="000000"/>
-              </a:solidFill>
-              <a:effectLst/>
-              <a:latin typeface="Monaco" pitchFamily="2" charset="77"/>
-            </a:endParaRPr>
-          </a:p>
-          <a:p>
-            <a:pPr algn="l"/>
-            <a:r>
-              <a:rPr lang="en-IN" b="0" i="0" dirty="0">
-                <a:solidFill>
-                  <a:srgbClr val="004ED0"/>
-                </a:solidFill>
-                <a:effectLst/>
-                <a:latin typeface="inherit"/>
-              </a:rPr>
-              <a:t>from threading import </a:t>
-            </a:r>
-            <a:r>
-              <a:rPr lang="en-IN" b="0" i="0" dirty="0">
-                <a:solidFill>
-                  <a:srgbClr val="000000"/>
-                </a:solidFill>
-                <a:effectLst/>
-                <a:latin typeface="inherit"/>
-              </a:rPr>
-              <a:t>Thread</a:t>
-            </a:r>
-            <a:endParaRPr lang="en-IN" b="0" i="0" dirty="0">
-              <a:solidFill>
-                <a:srgbClr val="000000"/>
-              </a:solidFill>
-              <a:effectLst/>
-              <a:latin typeface="Monaco" pitchFamily="2" charset="77"/>
-            </a:endParaRPr>
-          </a:p>
-          <a:p>
-            <a:pPr algn="l"/>
-            <a:r>
-              <a:rPr lang="en-IN" b="0" i="0" dirty="0">
-                <a:solidFill>
-                  <a:srgbClr val="B85C00"/>
-                </a:solidFill>
-                <a:effectLst/>
-                <a:latin typeface="inherit"/>
-              </a:rPr>
-              <a:t># create a daemon thread</a:t>
-            </a:r>
-            <a:endParaRPr lang="en-IN" b="0" i="0" dirty="0">
-              <a:solidFill>
-                <a:srgbClr val="000000"/>
-              </a:solidFill>
-              <a:effectLst/>
-              <a:latin typeface="Monaco" pitchFamily="2" charset="77"/>
-            </a:endParaRPr>
-          </a:p>
-          <a:p>
-            <a:pPr algn="l"/>
-            <a:r>
-              <a:rPr lang="en-IN" b="0" i="0" dirty="0">
-                <a:solidFill>
-                  <a:srgbClr val="002D7A"/>
-                </a:solidFill>
-                <a:effectLst/>
-                <a:latin typeface="inherit"/>
-              </a:rPr>
-              <a:t>thread</a:t>
-            </a:r>
-            <a:r>
-              <a:rPr lang="en-IN" b="0" i="0" dirty="0">
-                <a:solidFill>
-                  <a:srgbClr val="006FE0"/>
-                </a:solidFill>
-                <a:effectLst/>
-                <a:latin typeface="inherit"/>
-              </a:rPr>
-              <a:t> = </a:t>
-            </a:r>
-            <a:r>
-              <a:rPr lang="en-IN" b="0" i="0" dirty="0">
-                <a:solidFill>
-                  <a:srgbClr val="004ED0"/>
-                </a:solidFill>
-                <a:effectLst/>
-                <a:latin typeface="inherit"/>
-              </a:rPr>
-              <a:t>Thread</a:t>
-            </a:r>
-            <a:r>
-              <a:rPr lang="en-IN" b="0" i="0" dirty="0">
-                <a:solidFill>
-                  <a:srgbClr val="333333"/>
-                </a:solidFill>
-                <a:effectLst/>
-                <a:latin typeface="inherit"/>
-              </a:rPr>
-              <a:t>(</a:t>
-            </a:r>
-            <a:r>
-              <a:rPr lang="en-IN" b="0" i="0" dirty="0">
-                <a:solidFill>
-                  <a:srgbClr val="002D7A"/>
-                </a:solidFill>
-                <a:effectLst/>
-                <a:latin typeface="inherit"/>
-              </a:rPr>
-              <a:t>daemon</a:t>
-            </a:r>
-            <a:r>
-              <a:rPr lang="en-IN" b="0" i="0" dirty="0">
-                <a:solidFill>
-                  <a:srgbClr val="006FE0"/>
-                </a:solidFill>
-                <a:effectLst/>
-                <a:latin typeface="inherit"/>
-              </a:rPr>
-              <a:t>=</a:t>
-            </a:r>
-            <a:r>
-              <a:rPr lang="en-IN" b="0" i="0" dirty="0">
-                <a:solidFill>
-                  <a:srgbClr val="800080"/>
-                </a:solidFill>
-                <a:effectLst/>
-                <a:latin typeface="inherit"/>
-              </a:rPr>
-              <a:t>True</a:t>
-            </a:r>
-            <a:r>
-              <a:rPr lang="en-IN" b="0" i="0" dirty="0">
-                <a:solidFill>
-                  <a:srgbClr val="333333"/>
-                </a:solidFill>
-                <a:effectLst/>
-                <a:latin typeface="inherit"/>
-              </a:rPr>
-              <a:t>)</a:t>
-            </a:r>
-            <a:endParaRPr lang="en-IN" b="0" i="0" dirty="0">
-              <a:solidFill>
-                <a:srgbClr val="000000"/>
-              </a:solidFill>
-              <a:effectLst/>
-              <a:latin typeface="Monaco" pitchFamily="2" charset="77"/>
-            </a:endParaRPr>
-          </a:p>
-          <a:p>
-            <a:pPr algn="l"/>
-            <a:r>
-              <a:rPr lang="en-IN" b="0" i="0" dirty="0">
-                <a:solidFill>
-                  <a:srgbClr val="B85C00"/>
-                </a:solidFill>
-                <a:effectLst/>
-                <a:latin typeface="inherit"/>
-              </a:rPr>
-              <a:t># report if the thread is a daemon</a:t>
-            </a:r>
-            <a:endParaRPr lang="en-IN" b="0" i="0" dirty="0">
-              <a:solidFill>
-                <a:srgbClr val="000000"/>
-              </a:solidFill>
-              <a:effectLst/>
-              <a:latin typeface="Monaco" pitchFamily="2" charset="77"/>
-            </a:endParaRPr>
-          </a:p>
-          <a:p>
-            <a:pPr algn="l"/>
-            <a:r>
-              <a:rPr lang="en-IN" b="0" i="0" dirty="0">
-                <a:solidFill>
-                  <a:srgbClr val="004ED0"/>
-                </a:solidFill>
-                <a:effectLst/>
-                <a:latin typeface="inherit"/>
-              </a:rPr>
-              <a:t>print</a:t>
-            </a:r>
-            <a:r>
-              <a:rPr lang="en-IN" b="0" i="0" dirty="0">
-                <a:solidFill>
-                  <a:srgbClr val="333333"/>
-                </a:solidFill>
-                <a:effectLst/>
-                <a:latin typeface="inherit"/>
-              </a:rPr>
-              <a:t>(</a:t>
-            </a:r>
-            <a:r>
-              <a:rPr lang="en-IN" b="0" i="0" dirty="0" err="1">
-                <a:solidFill>
-                  <a:srgbClr val="002D7A"/>
-                </a:solidFill>
-                <a:effectLst/>
-                <a:latin typeface="inherit"/>
-              </a:rPr>
-              <a:t>thread</a:t>
-            </a:r>
-            <a:r>
-              <a:rPr lang="en-IN" b="0" i="0" dirty="0" err="1">
-                <a:solidFill>
-                  <a:srgbClr val="333333"/>
-                </a:solidFill>
-                <a:effectLst/>
-                <a:latin typeface="inherit"/>
-              </a:rPr>
-              <a:t>.</a:t>
-            </a:r>
-            <a:r>
-              <a:rPr lang="en-IN" b="0" i="0" dirty="0" err="1">
-                <a:solidFill>
-                  <a:srgbClr val="002D7A"/>
-                </a:solidFill>
-                <a:effectLst/>
-                <a:latin typeface="inherit"/>
-              </a:rPr>
-              <a:t>daemon</a:t>
-            </a:r>
-            <a:r>
-              <a:rPr lang="en-IN" b="0" i="0" dirty="0">
-                <a:solidFill>
-                  <a:srgbClr val="333333"/>
-                </a:solidFill>
-                <a:effectLst/>
-                <a:latin typeface="inherit"/>
-              </a:rPr>
-              <a:t>)</a:t>
-            </a:r>
-            <a:endParaRPr lang="en-IN" b="0" i="0" dirty="0">
-              <a:solidFill>
-                <a:srgbClr val="000000"/>
-              </a:solidFill>
-              <a:effectLst/>
-              <a:latin typeface="Monaco" pitchFamily="2" charset="77"/>
-            </a:endParaRPr>
-          </a:p>
-        </p:txBody>
-      </p:sp>
-    </p:spTree>
-    <p:extLst>
-      <p:ext uri="{BB962C8B-B14F-4D97-AF65-F5344CB8AC3E}">
-        <p14:creationId xmlns:p14="http://schemas.microsoft.com/office/powerpoint/2010/main" val="557331536"/>
       </p:ext>
     </p:extLst>
   </p:cSld>
@@ -7396,7 +7445,7 @@
         </p:nvSpPr>
         <p:spPr>
           <a:xfrm>
-            <a:off x="1592224" y="58846"/>
+            <a:off x="1554124" y="115996"/>
             <a:ext cx="8583134" cy="6740307"/>
           </a:xfrm>
           <a:prstGeom prst="rect">
@@ -7405,7 +7454,7 @@
           <a:noFill/>
         </p:spPr>
         <p:txBody>
-          <a:bodyPr wrap="square">
+          <a:bodyPr wrap="square" lIns="91440" tIns="45720" rIns="91440" bIns="45720" anchor="t">
             <a:spAutoFit/>
           </a:bodyPr>
           <a:lstStyle/>
@@ -7481,19 +7530,35 @@
           </a:p>
           <a:p>
             <a:pPr algn="l"/>
+            <a:endParaRPr lang="en-IN" sz="2400" b="0" i="0" dirty="0">
+              <a:solidFill>
+                <a:srgbClr val="000000"/>
+              </a:solidFill>
+              <a:effectLst/>
+              <a:latin typeface="Monaco" pitchFamily="2" charset="77"/>
+            </a:endParaRPr>
+          </a:p>
+          <a:p>
+            <a:pPr algn="l"/>
             <a:r>
               <a:rPr lang="en-IN" sz="2400" b="0" i="0" dirty="0">
                 <a:solidFill>
-                  <a:srgbClr val="000000"/>
-                </a:solidFill>
-                <a:effectLst/>
-                <a:latin typeface="Monaco" pitchFamily="2" charset="77"/>
-              </a:rPr>
-              <a:t> </a:t>
-            </a:r>
-          </a:p>
-          <a:p>
-            <a:pPr algn="l"/>
+                  <a:srgbClr val="B85C00"/>
+                </a:solidFill>
+                <a:effectLst/>
+                <a:latin typeface="inherit"/>
+              </a:rPr>
+              <a:t># </a:t>
+            </a:r>
+            <a:r>
+              <a:rPr lang="en-IN" sz="2400" dirty="0">
+                <a:solidFill>
+                  <a:srgbClr val="B85C00"/>
+                </a:solidFill>
+                <a:latin typeface="inherit"/>
+              </a:rPr>
+              <a:t>a</a:t>
+            </a:r>
             <a:r>
               <a:rPr lang="en-IN" sz="2400" b="0" i="0" dirty="0">
                 <a:solidFill>
@@ -7502,7 +7567,7 @@
                 <a:effectLst/>
                 <a:latin typeface="inherit"/>
               </a:rPr>
-              <a:t># a custom function that blocks for a moment</a:t>
+              <a:t> custom function that blocks for a moment</a:t>
             </a:r>
             <a:endParaRPr lang="en-IN" sz="2400" b="0" i="0" dirty="0">
               <a:solidFill>
@@ -7734,16 +7799,13 @@
           </a:p>
           <a:p>
             <a:pPr algn="l"/>
-            <a:r>
-              <a:rPr lang="en-IN" sz="2400" b="0" i="0" dirty="0">
-                <a:solidFill>
-                  <a:srgbClr val="000000"/>
-                </a:solidFill>
-                <a:effectLst/>
-                <a:latin typeface="Monaco" pitchFamily="2" charset="77"/>
-              </a:rPr>
-              <a:t> </a:t>
-            </a:r>
+            <a:endParaRPr lang="en-IN" sz="2400" b="0" i="0" dirty="0">
+              <a:solidFill>
+                <a:srgbClr val="000000"/>
+              </a:solidFill>
+              <a:effectLst/>
+              <a:latin typeface="Monaco" pitchFamily="2" charset="77"/>
+            </a:endParaRPr>
           </a:p>
           <a:p>
             <a:pPr algn="l"/>
@@ -11524,8 +11586,8 @@
 </file>
 
 <file path=customXml/item1.xml><?xml version="1.0" encoding="utf-8"?>
-<ct:contentTypeSchema xmlns:ct="http://schemas.microsoft.com/office/2006/metadata/contentType" xmlns:ma="http://schemas.microsoft.com/office/2006/metadata/properties/metaAttributes" ct:_="" ma:_="" ma:contentTypeName="Document" ma:contentTypeID="0x010100C0C3CD3DBD981944B25751ACBCD366C2" ma:contentTypeVersion="3" ma:contentTypeDescription="Create a new document." ma:contentTypeScope="" ma:versionID="efeb4383f8a0245114e7935706543f38">
-  <xsd:schema xmlns:xsd="http://www.w3.org/2001/XMLSchema" xmlns:xs="http://www.w3.org/2001/XMLSchema" xmlns:p="http://schemas.microsoft.com/office/2006/metadata/properties" xmlns:ns2="4135d01c-0408-45d1-a3ba-6d621aa35a60" targetNamespace="http://schemas.microsoft.com/office/2006/metadata/properties" ma:root="true" ma:fieldsID="eb4ab768dba0ca2cfdffe4ef416fe46c" ns2:_="">
+<ct:contentTypeSchema xmlns:ct="http://schemas.microsoft.com/office/2006/metadata/contentType" xmlns:ma="http://schemas.microsoft.com/office/2006/metadata/properties/metaAttributes" ct:_="" ma:_="" ma:contentTypeName="Document" ma:contentTypeID="0x010100C0C3CD3DBD981944B25751ACBCD366C2" ma:contentTypeVersion="7" ma:contentTypeDescription="Create a new document." ma:contentTypeScope="" ma:versionID="6e87f7b6d65f3aec24fad3aff14b1308">
+  <xsd:schema xmlns:xsd="http://www.w3.org/2001/XMLSchema" xmlns:xs="http://www.w3.org/2001/XMLSchema" xmlns:p="http://schemas.microsoft.com/office/2006/metadata/properties" xmlns:ns2="4135d01c-0408-45d1-a3ba-6d621aa35a60" targetNamespace="http://schemas.microsoft.com/office/2006/metadata/properties" ma:root="true" ma:fieldsID="45c111b542bb12727bd23cf27671bd65" ns2:_="">
     <xsd:import namespace="4135d01c-0408-45d1-a3ba-6d621aa35a60"/>
     <xsd:element name="properties">
       <xsd:complexType>
@@ -11536,6 +11598,10 @@
                 <xsd:element ref="ns2:MediaServiceMetadata" minOccurs="0"/>
                 <xsd:element ref="ns2:MediaServiceFastMetadata" minOccurs="0"/>
                 <xsd:element ref="ns2:MediaServiceObjectDetectorVersions" minOccurs="0"/>
+                <xsd:element ref="ns2:MediaServiceDateTaken" minOccurs="0"/>
+                <xsd:element ref="ns2:MediaServiceGenerationTime" minOccurs="0"/>
+                <xsd:element ref="ns2:MediaServiceEventHashCode" minOccurs="0"/>
+                <xsd:element ref="ns2:MediaLengthInSeconds" minOccurs="0"/>
               </xsd:all>
             </xsd:complexType>
           </xsd:element>
@@ -11559,6 +11625,26 @@
     <xsd:element name="MediaServiceObjectDetectorVersions" ma:index="10" nillable="true" ma:displayName="MediaServiceObjectDetectorVersions" ma:hidden="true" ma:indexed="true" ma:internalName="MediaServiceObjectDetectorVersions" ma:readOnly="true">
       <xsd:simpleType>
         <xsd:restriction base="dms:Text"/>
+      </xsd:simpleType>
+    </xsd:element>
+    <xsd:element name="MediaServiceDateTaken" ma:index="11" nillable="true" ma:displayName="MediaServiceDateTaken" ma:hidden="true" ma:indexed="true" ma:internalName="MediaServiceDateTaken" ma:readOnly="true">
+      <xsd:simpleType>
+        <xsd:restriction base="dms:Text"/>
+      </xsd:simpleType>
+    </xsd:element>
+    <xsd:element name="MediaServiceGenerationTime" ma:index="12" nillable="true" ma:displayName="MediaServiceGenerationTime" ma:hidden="true" ma:internalName="MediaServiceGenerationTime" ma:readOnly="true">
+      <xsd:simpleType>
+        <xsd:restriction base="dms:Text"/>
+      </xsd:simpleType>
+    </xsd:element>
+    <xsd:element name="MediaServiceEventHashCode" ma:index="13" nillable="true" ma:displayName="MediaServiceEventHashCode" ma:hidden="true" ma:internalName="MediaServiceEventHashCode" ma:readOnly="true">
+      <xsd:simpleType>
+        <xsd:restriction base="dms:Text"/>
+      </xsd:simpleType>
+    </xsd:element>
+    <xsd:element name="MediaLengthInSeconds" ma:index="14" nillable="true" ma:displayName="MediaLengthInSeconds" ma:hidden="true" ma:internalName="MediaLengthInSeconds" ma:readOnly="true">
+      <xsd:simpleType>
+        <xsd:restriction base="dms:Unknown"/>
       </xsd:simpleType>
     </xsd:element>
   </xsd:schema>
@@ -11677,13 +11763,36 @@
 </file>
 
 <file path=customXml/itemProps1.xml><?xml version="1.0" encoding="utf-8"?>
-<ds:datastoreItem xmlns:ds="http://schemas.openxmlformats.org/officeDocument/2006/customXml" ds:itemID="{34327615-A883-41D1-9E33-41712B3F3937}"/>
+<ds:datastoreItem xmlns:ds="http://schemas.openxmlformats.org/officeDocument/2006/customXml" ds:itemID="{88E69F5B-44B9-4FB6-893F-641CDA2BA7A5}">
+  <ds:schemaRefs>
+    <ds:schemaRef ds:uri="http://schemas.microsoft.com/office/2006/metadata/contentType"/>
+    <ds:schemaRef ds:uri="http://schemas.microsoft.com/office/2006/metadata/properties/metaAttributes"/>
+    <ds:schemaRef ds:uri="http://www.w3.org/2001/XMLSchema"/>
+    <ds:schemaRef ds:uri="http://schemas.microsoft.com/office/2006/metadata/properties"/>
+    <ds:schemaRef ds:uri="4135d01c-0408-45d1-a3ba-6d621aa35a60"/>
+    <ds:schemaRef ds:uri="http://schemas.microsoft.com/office/2006/documentManagement/types"/>
+    <ds:schemaRef ds:uri="http://schemas.microsoft.com/office/infopath/2007/PartnerControls"/>
+    <ds:schemaRef ds:uri="http://schemas.openxmlformats.org/package/2006/metadata/core-properties"/>
+    <ds:schemaRef ds:uri="http://purl.org/dc/elements/1.1/"/>
+    <ds:schemaRef ds:uri="http://purl.org/dc/terms/"/>
+    <ds:schemaRef ds:uri="http://schemas.microsoft.com/internal/obd"/>
+  </ds:schemaRefs>
+</ds:datastoreItem>
 </file>
 
 <file path=customXml/itemProps2.xml><?xml version="1.0" encoding="utf-8"?>
-<ds:datastoreItem xmlns:ds="http://schemas.openxmlformats.org/officeDocument/2006/customXml" ds:itemID="{1C4EC94B-6624-40B9-B561-9D84854FBAE0}"/>
+<ds:datastoreItem xmlns:ds="http://schemas.openxmlformats.org/officeDocument/2006/customXml" ds:itemID="{1C4EC94B-6624-40B9-B561-9D84854FBAE0}">
+  <ds:schemaRefs>
+    <ds:schemaRef ds:uri="http://schemas.microsoft.com/sharepoint/v3/contenttype/forms"/>
+  </ds:schemaRefs>
+</ds:datastoreItem>
 </file>
 
 <file path=customXml/itemProps3.xml><?xml version="1.0" encoding="utf-8"?>
-<ds:datastoreItem xmlns:ds="http://schemas.openxmlformats.org/officeDocument/2006/customXml" ds:itemID="{9811EA94-D275-4333-BFDA-D0CFA3DE433F}"/>
+<ds:datastoreItem xmlns:ds="http://schemas.openxmlformats.org/officeDocument/2006/customXml" ds:itemID="{9811EA94-D275-4333-BFDA-D0CFA3DE433F}">
+  <ds:schemaRefs>
+    <ds:schemaRef ds:uri="http://schemas.microsoft.com/office/2006/metadata/properties"/>
+    <ds:schemaRef ds:uri="http://schemas.microsoft.com/office/infopath/2007/PartnerControls"/>
+  </ds:schemaRefs>
+</ds:datastoreItem>
 </file>